--- a/Phase 3_ Flood monitoring and early warning system.pptx
+++ b/Phase 3_ Flood monitoring and early warning system.pptx
@@ -20,11 +20,10 @@
     <p:sldId id="269" r:id="rId14"/>
     <p:sldId id="270" r:id="rId15"/>
     <p:sldId id="271" r:id="rId16"/>
-    <p:sldId id="272" r:id="rId17"/>
-    <p:sldId id="273" r:id="rId18"/>
-    <p:sldId id="275" r:id="rId19"/>
-    <p:sldId id="276" r:id="rId20"/>
-    <p:sldId id="277" r:id="rId21"/>
+    <p:sldId id="275" r:id="rId17"/>
+    <p:sldId id="276" r:id="rId18"/>
+    <p:sldId id="277" r:id="rId19"/>
+    <p:sldId id="278" r:id="rId20"/>
   </p:sldIdLst>
   <p:sldSz cx="12192000" cy="6858000"/>
   <p:notesSz cx="6858000" cy="9144000"/>
@@ -280,7 +279,7 @@
           <a:p>
             <a:fld id="{9E10261C-F0D7-41EA-A7BD-E9D32C665BBB}" type="datetimeFigureOut">
               <a:rPr lang="en-IN" smtClean="0"/>
-              <a:t>17-10-2023</a:t>
+              <a:t>26-10-2023</a:t>
             </a:fld>
             <a:endParaRPr lang="en-IN"/>
           </a:p>
@@ -480,7 +479,7 @@
           <a:p>
             <a:fld id="{9E10261C-F0D7-41EA-A7BD-E9D32C665BBB}" type="datetimeFigureOut">
               <a:rPr lang="en-IN" smtClean="0"/>
-              <a:t>17-10-2023</a:t>
+              <a:t>26-10-2023</a:t>
             </a:fld>
             <a:endParaRPr lang="en-IN"/>
           </a:p>
@@ -690,7 +689,7 @@
           <a:p>
             <a:fld id="{9E10261C-F0D7-41EA-A7BD-E9D32C665BBB}" type="datetimeFigureOut">
               <a:rPr lang="en-IN" smtClean="0"/>
-              <a:t>17-10-2023</a:t>
+              <a:t>26-10-2023</a:t>
             </a:fld>
             <a:endParaRPr lang="en-IN"/>
           </a:p>
@@ -890,7 +889,7 @@
           <a:p>
             <a:fld id="{9E10261C-F0D7-41EA-A7BD-E9D32C665BBB}" type="datetimeFigureOut">
               <a:rPr lang="en-IN" smtClean="0"/>
-              <a:t>17-10-2023</a:t>
+              <a:t>26-10-2023</a:t>
             </a:fld>
             <a:endParaRPr lang="en-IN"/>
           </a:p>
@@ -1166,7 +1165,7 @@
           <a:p>
             <a:fld id="{9E10261C-F0D7-41EA-A7BD-E9D32C665BBB}" type="datetimeFigureOut">
               <a:rPr lang="en-IN" smtClean="0"/>
-              <a:t>17-10-2023</a:t>
+              <a:t>26-10-2023</a:t>
             </a:fld>
             <a:endParaRPr lang="en-IN"/>
           </a:p>
@@ -1434,7 +1433,7 @@
           <a:p>
             <a:fld id="{9E10261C-F0D7-41EA-A7BD-E9D32C665BBB}" type="datetimeFigureOut">
               <a:rPr lang="en-IN" smtClean="0"/>
-              <a:t>17-10-2023</a:t>
+              <a:t>26-10-2023</a:t>
             </a:fld>
             <a:endParaRPr lang="en-IN"/>
           </a:p>
@@ -1849,7 +1848,7 @@
           <a:p>
             <a:fld id="{9E10261C-F0D7-41EA-A7BD-E9D32C665BBB}" type="datetimeFigureOut">
               <a:rPr lang="en-IN" smtClean="0"/>
-              <a:t>17-10-2023</a:t>
+              <a:t>26-10-2023</a:t>
             </a:fld>
             <a:endParaRPr lang="en-IN"/>
           </a:p>
@@ -1991,7 +1990,7 @@
           <a:p>
             <a:fld id="{9E10261C-F0D7-41EA-A7BD-E9D32C665BBB}" type="datetimeFigureOut">
               <a:rPr lang="en-IN" smtClean="0"/>
-              <a:t>17-10-2023</a:t>
+              <a:t>26-10-2023</a:t>
             </a:fld>
             <a:endParaRPr lang="en-IN"/>
           </a:p>
@@ -2104,7 +2103,7 @@
           <a:p>
             <a:fld id="{9E10261C-F0D7-41EA-A7BD-E9D32C665BBB}" type="datetimeFigureOut">
               <a:rPr lang="en-IN" smtClean="0"/>
-              <a:t>17-10-2023</a:t>
+              <a:t>26-10-2023</a:t>
             </a:fld>
             <a:endParaRPr lang="en-IN"/>
           </a:p>
@@ -2417,7 +2416,7 @@
           <a:p>
             <a:fld id="{9E10261C-F0D7-41EA-A7BD-E9D32C665BBB}" type="datetimeFigureOut">
               <a:rPr lang="en-IN" smtClean="0"/>
-              <a:t>17-10-2023</a:t>
+              <a:t>26-10-2023</a:t>
             </a:fld>
             <a:endParaRPr lang="en-IN"/>
           </a:p>
@@ -2706,7 +2705,7 @@
           <a:p>
             <a:fld id="{9E10261C-F0D7-41EA-A7BD-E9D32C665BBB}" type="datetimeFigureOut">
               <a:rPr lang="en-IN" smtClean="0"/>
-              <a:t>17-10-2023</a:t>
+              <a:t>26-10-2023</a:t>
             </a:fld>
             <a:endParaRPr lang="en-IN"/>
           </a:p>
@@ -2949,7 +2948,7 @@
           <a:p>
             <a:fld id="{9E10261C-F0D7-41EA-A7BD-E9D32C665BBB}" type="datetimeFigureOut">
               <a:rPr lang="en-IN" smtClean="0"/>
-              <a:t>17-10-2023</a:t>
+              <a:t>26-10-2023</a:t>
             </a:fld>
             <a:endParaRPr lang="en-IN"/>
           </a:p>
@@ -5059,364 +5058,6 @@
           <a:chExt cx="0" cy="0"/>
         </a:xfrm>
       </p:grpSpPr>
-      <p:sp>
-        <p:nvSpPr>
-          <p:cNvPr id="4" name="TextBox 3">
-            <a:extLst>
-              <a:ext uri="{FF2B5EF4-FFF2-40B4-BE49-F238E27FC236}">
-                <a16:creationId xmlns:a16="http://schemas.microsoft.com/office/drawing/2014/main" id="{33012010-CE15-79BB-D857-02776457B40B}"/>
-              </a:ext>
-            </a:extLst>
-          </p:cNvPr>
-          <p:cNvSpPr txBox="1"/>
-          <p:nvPr/>
-        </p:nvSpPr>
-        <p:spPr>
-          <a:xfrm>
-            <a:off x="226243" y="160256"/>
-            <a:ext cx="8915400" cy="5632311"/>
-          </a:xfrm>
-          <a:prstGeom prst="rect">
-            <a:avLst/>
-          </a:prstGeom>
-          <a:noFill/>
-        </p:spPr>
-        <p:txBody>
-          <a:bodyPr wrap="square">
-            <a:spAutoFit/>
-          </a:bodyPr>
-          <a:lstStyle/>
-          <a:p>
-            <a:r>
-              <a:rPr lang="en-US" b="0" i="0" dirty="0">
-                <a:solidFill>
-                  <a:srgbClr val="212121"/>
-                </a:solidFill>
-                <a:effectLst/>
-                <a:latin typeface="Cambria" panose="02040503050406030204" pitchFamily="18" charset="0"/>
-              </a:rPr>
-              <a:t> </a:t>
-            </a:r>
-            <a:r>
-              <a:rPr lang="en-US" dirty="0">
-                <a:solidFill>
-                  <a:srgbClr val="212121"/>
-                </a:solidFill>
-                <a:latin typeface="Cambria" panose="02040503050406030204" pitchFamily="18" charset="0"/>
-              </a:rPr>
-              <a:t>An</a:t>
-            </a:r>
-            <a:r>
-              <a:rPr lang="en-US" b="0" i="0" dirty="0">
-                <a:solidFill>
-                  <a:srgbClr val="212121"/>
-                </a:solidFill>
-                <a:effectLst/>
-                <a:latin typeface="Cambria" panose="02040503050406030204" pitchFamily="18" charset="0"/>
-              </a:rPr>
-              <a:t> early flood detection system can be implemented through real-time monitoring of the flood-prone area via sensors deployed in optimal locations at the site. This approach provides a convenient and cost-effective way to monitor flood-prone sites in real time. Furthermore, </a:t>
-            </a:r>
-            <a:r>
-              <a:rPr lang="en-US" b="0" i="0" dirty="0" err="1">
-                <a:solidFill>
-                  <a:srgbClr val="212121"/>
-                </a:solidFill>
-                <a:effectLst/>
-                <a:latin typeface="Cambria" panose="02040503050406030204" pitchFamily="18" charset="0"/>
-              </a:rPr>
-              <a:t>Thekkil</a:t>
-            </a:r>
-            <a:r>
-              <a:rPr lang="en-US" b="0" i="0" dirty="0">
-                <a:solidFill>
-                  <a:srgbClr val="212121"/>
-                </a:solidFill>
-                <a:effectLst/>
-                <a:latin typeface="Cambria" panose="02040503050406030204" pitchFamily="18" charset="0"/>
-              </a:rPr>
-              <a:t>  and Balaji </a:t>
-            </a:r>
-            <a:r>
-              <a:rPr lang="en-US" b="0" i="0" dirty="0" err="1">
-                <a:solidFill>
-                  <a:srgbClr val="212121"/>
-                </a:solidFill>
-                <a:effectLst/>
-                <a:latin typeface="Cambria" panose="02040503050406030204" pitchFamily="18" charset="0"/>
-              </a:rPr>
-              <a:t>utilised</a:t>
-            </a:r>
-            <a:r>
-              <a:rPr lang="en-US" b="0" i="0" dirty="0">
-                <a:solidFill>
-                  <a:srgbClr val="212121"/>
-                </a:solidFill>
-                <a:effectLst/>
-                <a:latin typeface="Cambria" panose="02040503050406030204" pitchFamily="18" charset="0"/>
-              </a:rPr>
-              <a:t> ZigBee and Global System for Mobile (GSM) to transmit acquired camera images and generate flood-related warnings. The study also </a:t>
-            </a:r>
-            <a:r>
-              <a:rPr lang="en-US" b="0" i="0" dirty="0" err="1">
-                <a:solidFill>
-                  <a:srgbClr val="212121"/>
-                </a:solidFill>
-                <a:effectLst/>
-                <a:latin typeface="Cambria" panose="02040503050406030204" pitchFamily="18" charset="0"/>
-              </a:rPr>
-              <a:t>utilised</a:t>
-            </a:r>
-            <a:r>
-              <a:rPr lang="en-US" b="0" i="0" dirty="0">
-                <a:solidFill>
-                  <a:srgbClr val="212121"/>
-                </a:solidFill>
-                <a:effectLst/>
-                <a:latin typeface="Cambria" panose="02040503050406030204" pitchFamily="18" charset="0"/>
-              </a:rPr>
-              <a:t> the scale-invariant feature transform (SIFT) algorithm for the autonomous monitoring of flood. In a similar approach, </a:t>
-            </a:r>
-            <a:r>
-              <a:rPr lang="en-US" b="0" i="0" dirty="0" err="1">
-                <a:solidFill>
-                  <a:srgbClr val="212121"/>
-                </a:solidFill>
-                <a:effectLst/>
-                <a:latin typeface="Cambria" panose="02040503050406030204" pitchFamily="18" charset="0"/>
-              </a:rPr>
-              <a:t>Pratama</a:t>
-            </a:r>
-            <a:r>
-              <a:rPr lang="en-US" b="0" i="0" dirty="0">
-                <a:solidFill>
-                  <a:srgbClr val="212121"/>
-                </a:solidFill>
-                <a:effectLst/>
-                <a:latin typeface="Cambria" panose="02040503050406030204" pitchFamily="18" charset="0"/>
-              </a:rPr>
-              <a:t> </a:t>
-            </a:r>
-            <a:r>
-              <a:rPr lang="en-US" b="0" i="0" dirty="0" err="1">
-                <a:solidFill>
-                  <a:srgbClr val="212121"/>
-                </a:solidFill>
-                <a:effectLst/>
-                <a:latin typeface="Cambria" panose="02040503050406030204" pitchFamily="18" charset="0"/>
-              </a:rPr>
-              <a:t>utilised</a:t>
-            </a:r>
-            <a:r>
-              <a:rPr lang="en-US" b="0" i="0" dirty="0">
-                <a:solidFill>
-                  <a:srgbClr val="212121"/>
-                </a:solidFill>
-                <a:effectLst/>
-                <a:latin typeface="Cambria" panose="02040503050406030204" pitchFamily="18" charset="0"/>
-              </a:rPr>
-              <a:t> Mamdani fuzzy logic along with ZigBee and water level sensors to detect and transmit the flood-related data. The study suggests that the maximum error for the proposed approach falls within an acceptable range of five percent. Waleed  proposed a microchip-based solution using an array of piezoelectric pressure sensors that measure the pressure exerted by water and ZigBee for transmitting and receiving the data. The sensors were prototyped on Altera’s Cyclone board. The study also suggested that placement of the sensors is of extreme importance to forecast flood accurately. </a:t>
-            </a:r>
-            <a:r>
-              <a:rPr lang="en-US" b="0" i="0" dirty="0" err="1">
-                <a:solidFill>
-                  <a:srgbClr val="212121"/>
-                </a:solidFill>
-                <a:effectLst/>
-                <a:latin typeface="Cambria" panose="02040503050406030204" pitchFamily="18" charset="0"/>
-              </a:rPr>
-              <a:t>Ogie</a:t>
-            </a:r>
-            <a:r>
-              <a:rPr lang="en-US" b="0" i="0" dirty="0">
-                <a:solidFill>
-                  <a:srgbClr val="212121"/>
-                </a:solidFill>
-                <a:effectLst/>
-                <a:latin typeface="Cambria" panose="02040503050406030204" pitchFamily="18" charset="0"/>
-              </a:rPr>
-              <a:t> proposed a solution for the best placement of water-level sensors. The study puts a considerable emphasis on the optimal placement of the sensors, as it is important to gain situational awareness of water level in a large area of interest. The NSGA-II algorithm, which has gained wide application in many real-world problems, was used to find the best spot for the sensors. Using the sensor placement algorithm, four locally fabricated sensors were deployed to monitor water levels at different points in the waterways in Jakarta, Indonesia.</a:t>
-            </a:r>
-            <a:endParaRPr lang="en-IN" dirty="0"/>
-          </a:p>
-        </p:txBody>
-      </p:sp>
-    </p:spTree>
-    <p:extLst>
-      <p:ext uri="{BB962C8B-B14F-4D97-AF65-F5344CB8AC3E}">
-        <p14:creationId xmlns:p14="http://schemas.microsoft.com/office/powerpoint/2010/main" val="1696758576"/>
-      </p:ext>
-    </p:extLst>
-  </p:cSld>
-  <p:clrMapOvr>
-    <a:masterClrMapping/>
-  </p:clrMapOvr>
-</p:sld>
-</file>
-
-<file path=ppt/slides/slide17.xml><?xml version="1.0" encoding="utf-8"?>
-<p:sld xmlns:a="http://schemas.openxmlformats.org/drawingml/2006/main" xmlns:r="http://schemas.openxmlformats.org/officeDocument/2006/relationships" xmlns:p="http://schemas.openxmlformats.org/presentationml/2006/main">
-  <p:cSld>
-    <p:spTree>
-      <p:nvGrpSpPr>
-        <p:cNvPr id="1" name=""/>
-        <p:cNvGrpSpPr/>
-        <p:nvPr/>
-      </p:nvGrpSpPr>
-      <p:grpSpPr>
-        <a:xfrm>
-          <a:off x="0" y="0"/>
-          <a:ext cx="0" cy="0"/>
-          <a:chOff x="0" y="0"/>
-          <a:chExt cx="0" cy="0"/>
-        </a:xfrm>
-      </p:grpSpPr>
-      <p:sp>
-        <p:nvSpPr>
-          <p:cNvPr id="2" name="TextBox 1">
-            <a:extLst>
-              <a:ext uri="{FF2B5EF4-FFF2-40B4-BE49-F238E27FC236}">
-                <a16:creationId xmlns:a16="http://schemas.microsoft.com/office/drawing/2014/main" id="{549AB0C2-D722-1023-F641-69F6C0D76CA5}"/>
-              </a:ext>
-            </a:extLst>
-          </p:cNvPr>
-          <p:cNvSpPr txBox="1"/>
-          <p:nvPr/>
-        </p:nvSpPr>
-        <p:spPr>
-          <a:xfrm flipH="1">
-            <a:off x="348791" y="659876"/>
-            <a:ext cx="10378911" cy="1754326"/>
-          </a:xfrm>
-          <a:prstGeom prst="rect">
-            <a:avLst/>
-          </a:prstGeom>
-          <a:noFill/>
-        </p:spPr>
-        <p:txBody>
-          <a:bodyPr wrap="square" rtlCol="0">
-            <a:spAutoFit/>
-          </a:bodyPr>
-          <a:lstStyle/>
-          <a:p>
-            <a:r>
-              <a:rPr lang="en-IN" dirty="0"/>
-              <a:t>Monitoring of water level has stirred the design and implementation of several wireless sensor networks(WSNs). The study was executed to monitor and control the distribution substation in low-lying areas, providing early warning to the local community in case the water level increases above a predefined threshold value. Other similar studies have provided real time signals from a WSN to inform an early warning system. These studies have mostly relied on a web server to visualise the data coming from the flood monitoring station.</a:t>
-            </a:r>
-          </a:p>
-        </p:txBody>
-      </p:sp>
-      <p:sp>
-        <p:nvSpPr>
-          <p:cNvPr id="4" name="TextBox 3">
-            <a:extLst>
-              <a:ext uri="{FF2B5EF4-FFF2-40B4-BE49-F238E27FC236}">
-                <a16:creationId xmlns:a16="http://schemas.microsoft.com/office/drawing/2014/main" id="{E50539B6-A258-7E1D-20BF-81E6ED0254C7}"/>
-              </a:ext>
-            </a:extLst>
-          </p:cNvPr>
-          <p:cNvSpPr txBox="1"/>
-          <p:nvPr/>
-        </p:nvSpPr>
-        <p:spPr>
-          <a:xfrm>
-            <a:off x="443060" y="2414202"/>
-            <a:ext cx="8698583" cy="2308324"/>
-          </a:xfrm>
-          <a:prstGeom prst="rect">
-            <a:avLst/>
-          </a:prstGeom>
-          <a:noFill/>
-        </p:spPr>
-        <p:txBody>
-          <a:bodyPr wrap="square">
-            <a:spAutoFit/>
-          </a:bodyPr>
-          <a:lstStyle/>
-          <a:p>
-            <a:r>
-              <a:rPr lang="en-US" b="0" i="0" dirty="0">
-                <a:solidFill>
-                  <a:srgbClr val="212121"/>
-                </a:solidFill>
-                <a:effectLst/>
-                <a:latin typeface="Cambria" panose="02040503050406030204" pitchFamily="18" charset="0"/>
-              </a:rPr>
-              <a:t> Additionally, Jayashree proposed an early warning system based on real-time monitoring of dams via flow and water level sensors. The data collected from sensors is accessible and available to the public and can be fetched through an Android app designed for the research. Similarly, </a:t>
-            </a:r>
-            <a:r>
-              <a:rPr lang="en-US" b="0" i="0" dirty="0" err="1">
-                <a:solidFill>
-                  <a:srgbClr val="212121"/>
-                </a:solidFill>
-                <a:effectLst/>
-                <a:latin typeface="Cambria" panose="02040503050406030204" pitchFamily="18" charset="0"/>
-              </a:rPr>
-              <a:t>Teixidó</a:t>
-            </a:r>
-            <a:r>
-              <a:rPr lang="en-US" b="0" i="0" dirty="0">
-                <a:solidFill>
-                  <a:srgbClr val="212121"/>
-                </a:solidFill>
-                <a:effectLst/>
-                <a:latin typeface="Cambria" panose="02040503050406030204" pitchFamily="18" charset="0"/>
-              </a:rPr>
-              <a:t> and Smith presented a WSN system to notify the user in case of flooding. Similarly, </a:t>
-            </a:r>
-            <a:r>
-              <a:rPr lang="en-US" b="0" i="0" dirty="0" err="1">
-                <a:solidFill>
-                  <a:srgbClr val="212121"/>
-                </a:solidFill>
-                <a:effectLst/>
-                <a:latin typeface="Cambria" panose="02040503050406030204" pitchFamily="18" charset="0"/>
-              </a:rPr>
-              <a:t>Yumang</a:t>
-            </a:r>
-            <a:r>
-              <a:rPr lang="en-US" b="0" i="0" dirty="0">
-                <a:solidFill>
-                  <a:srgbClr val="212121"/>
-                </a:solidFill>
-                <a:effectLst/>
-                <a:latin typeface="Cambria" panose="02040503050406030204" pitchFamily="18" charset="0"/>
-              </a:rPr>
-              <a:t> designed a sensor network system capable of issuing warnings to locals in the event of flooding. The proposed system is based on sensors to monitor water level, a renewable power source to power the system and a GSM shield to transmit data.</a:t>
-            </a:r>
-            <a:endParaRPr lang="en-IN" dirty="0"/>
-          </a:p>
-        </p:txBody>
-      </p:sp>
-    </p:spTree>
-    <p:extLst>
-      <p:ext uri="{BB962C8B-B14F-4D97-AF65-F5344CB8AC3E}">
-        <p14:creationId xmlns:p14="http://schemas.microsoft.com/office/powerpoint/2010/main" val="3536342507"/>
-      </p:ext>
-    </p:extLst>
-  </p:cSld>
-  <p:clrMapOvr>
-    <a:masterClrMapping/>
-  </p:clrMapOvr>
-</p:sld>
-</file>
-
-<file path=ppt/slides/slide18.xml><?xml version="1.0" encoding="utf-8"?>
-<p:sld xmlns:a="http://schemas.openxmlformats.org/drawingml/2006/main" xmlns:r="http://schemas.openxmlformats.org/officeDocument/2006/relationships" xmlns:p="http://schemas.openxmlformats.org/presentationml/2006/main">
-  <p:cSld>
-    <p:spTree>
-      <p:nvGrpSpPr>
-        <p:cNvPr id="1" name=""/>
-        <p:cNvGrpSpPr/>
-        <p:nvPr/>
-      </p:nvGrpSpPr>
-      <p:grpSpPr>
-        <a:xfrm>
-          <a:off x="0" y="0"/>
-          <a:ext cx="0" cy="0"/>
-          <a:chOff x="0" y="0"/>
-          <a:chExt cx="0" cy="0"/>
-        </a:xfrm>
-      </p:grpSpPr>
       <p:graphicFrame>
         <p:nvGraphicFramePr>
           <p:cNvPr id="2" name="Table 1">
@@ -6004,7 +5645,7 @@
 </p:sld>
 </file>
 
-<file path=ppt/slides/slide19.xml><?xml version="1.0" encoding="utf-8"?>
+<file path=ppt/slides/slide17.xml><?xml version="1.0" encoding="utf-8"?>
 <p:sld xmlns:a="http://schemas.openxmlformats.org/drawingml/2006/main" xmlns:r="http://schemas.openxmlformats.org/officeDocument/2006/relationships" xmlns:p="http://schemas.openxmlformats.org/presentationml/2006/main">
   <p:cSld>
     <p:spTree>
@@ -7001,7 +6642,7 @@
 </p:sld>
 </file>
 
-<file path=ppt/slides/slide2.xml><?xml version="1.0" encoding="utf-8"?>
+<file path=ppt/slides/slide18.xml><?xml version="1.0" encoding="utf-8"?>
 <p:sld xmlns:a="http://schemas.openxmlformats.org/drawingml/2006/main" xmlns:r="http://schemas.openxmlformats.org/officeDocument/2006/relationships" xmlns:p="http://schemas.openxmlformats.org/presentationml/2006/main">
   <p:cSld>
     <p:spTree>
@@ -7018,95 +6659,8 @@
           <a:chExt cx="0" cy="0"/>
         </a:xfrm>
       </p:grpSpPr>
-      <p:sp>
-        <p:nvSpPr>
-          <p:cNvPr id="2" name="TextBox 1">
-            <a:extLst>
-              <a:ext uri="{FF2B5EF4-FFF2-40B4-BE49-F238E27FC236}">
-                <a16:creationId xmlns:a16="http://schemas.microsoft.com/office/drawing/2014/main" id="{8E8C9372-9053-7F5B-130C-7862BA4552D8}"/>
-              </a:ext>
-            </a:extLst>
-          </p:cNvPr>
-          <p:cNvSpPr txBox="1"/>
-          <p:nvPr/>
-        </p:nvSpPr>
-        <p:spPr>
-          <a:xfrm flipH="1">
-            <a:off x="2017335" y="1253765"/>
-            <a:ext cx="7503735" cy="2862322"/>
-          </a:xfrm>
-          <a:prstGeom prst="rect">
-            <a:avLst/>
-          </a:prstGeom>
-          <a:noFill/>
-        </p:spPr>
-        <p:txBody>
-          <a:bodyPr wrap="square" rtlCol="0">
-            <a:spAutoFit/>
-          </a:bodyPr>
-          <a:lstStyle/>
-          <a:p>
-            <a:r>
-              <a:rPr lang="en-IN" u="sng" dirty="0"/>
-              <a:t>1.Introduction:</a:t>
-            </a:r>
-          </a:p>
-          <a:p>
-            <a:r>
-              <a:rPr lang="en-IN" dirty="0"/>
-              <a:t>Natural hazards such as </a:t>
-            </a:r>
-            <a:r>
-              <a:rPr lang="en-IN" dirty="0" err="1"/>
-              <a:t>floods,storms,tsunamis</a:t>
-            </a:r>
-            <a:r>
-              <a:rPr lang="en-IN" dirty="0"/>
-              <a:t> and others pose a significant threat to lives and property around the world. Without proper monitoring and effective mitigation measures, these natural perils often culminate in disasters that have severe implications in terms of economic loss, social disruptions and damage to the urban environment. Historical records have shown that flood is the most frequent natural </a:t>
-            </a:r>
-            <a:r>
-              <a:rPr lang="en-IN" dirty="0" err="1"/>
-              <a:t>hazard,accounting</a:t>
-            </a:r>
-            <a:r>
-              <a:rPr lang="en-IN" dirty="0"/>
-              <a:t> for 41% of all natural perils that occurred globally in the last decade. In this period alone (2009 to 2019), there were over 1566 flood occurrences affecting 0.754 billion people around the world with 51,002 deaths recorded and damage estimated at $371.8 billion.</a:t>
-            </a:r>
-          </a:p>
-        </p:txBody>
-      </p:sp>
-    </p:spTree>
-    <p:extLst>
-      <p:ext uri="{BB962C8B-B14F-4D97-AF65-F5344CB8AC3E}">
-        <p14:creationId xmlns:p14="http://schemas.microsoft.com/office/powerpoint/2010/main" val="3696672122"/>
-      </p:ext>
-    </p:extLst>
-  </p:cSld>
-  <p:clrMapOvr>
-    <a:masterClrMapping/>
-  </p:clrMapOvr>
-</p:sld>
-</file>
-
-<file path=ppt/slides/slide20.xml><?xml version="1.0" encoding="utf-8"?>
-<p:sld xmlns:a="http://schemas.openxmlformats.org/drawingml/2006/main" xmlns:r="http://schemas.openxmlformats.org/officeDocument/2006/relationships" xmlns:p="http://schemas.openxmlformats.org/presentationml/2006/main">
-  <p:cSld>
-    <p:spTree>
-      <p:nvGrpSpPr>
-        <p:cNvPr id="1" name=""/>
-        <p:cNvGrpSpPr/>
-        <p:nvPr/>
-      </p:nvGrpSpPr>
-      <p:grpSpPr>
-        <a:xfrm>
-          <a:off x="0" y="0"/>
-          <a:ext cx="0" cy="0"/>
-          <a:chOff x="0" y="0"/>
-          <a:chExt cx="0" cy="0"/>
-        </a:xfrm>
-      </p:grpSpPr>
-      <mc:AlternateContent xmlns:mc="http://schemas.openxmlformats.org/markup-compatibility/2006">
-        <mc:Choice xmlns:pslz="http://schemas.microsoft.com/office/powerpoint/2016/slidezoom" Requires="pslz">
+      <mc:AlternateContent xmlns:mc="http://schemas.openxmlformats.org/markup-compatibility/2006" xmlns:pslz="http://schemas.microsoft.com/office/powerpoint/2016/slidezoom">
+        <mc:Choice Requires="pslz">
           <p:graphicFrame>
             <p:nvGraphicFramePr>
               <p:cNvPr id="3" name="Slide Zoom 2">
@@ -7163,7 +6717,7 @@
             </a:graphic>
           </p:graphicFrame>
         </mc:Choice>
-        <mc:Fallback>
+        <mc:Fallback xmlns="">
           <p:pic>
             <p:nvPicPr>
               <p:cNvPr id="3" name="Slide Zoom 2">
@@ -7180,7 +6734,7 @@
               <p:nvPr/>
             </p:nvPicPr>
             <p:blipFill>
-              <a:blip r:embed="rId2"/>
+              <a:blip r:embed="rId4"/>
               <a:stretch>
                 <a:fillRect/>
               </a:stretch>
@@ -7206,6 +6760,366 @@
     <p:extLst>
       <p:ext uri="{BB962C8B-B14F-4D97-AF65-F5344CB8AC3E}">
         <p14:creationId xmlns:p14="http://schemas.microsoft.com/office/powerpoint/2010/main" val="1165823204"/>
+      </p:ext>
+    </p:extLst>
+  </p:cSld>
+  <p:clrMapOvr>
+    <a:masterClrMapping/>
+  </p:clrMapOvr>
+</p:sld>
+</file>
+
+<file path=ppt/slides/slide19.xml><?xml version="1.0" encoding="utf-8"?>
+<p:sld xmlns:a="http://schemas.openxmlformats.org/drawingml/2006/main" xmlns:r="http://schemas.openxmlformats.org/officeDocument/2006/relationships" xmlns:p="http://schemas.openxmlformats.org/presentationml/2006/main">
+  <p:cSld>
+    <p:spTree>
+      <p:nvGrpSpPr>
+        <p:cNvPr id="1" name=""/>
+        <p:cNvGrpSpPr/>
+        <p:nvPr/>
+      </p:nvGrpSpPr>
+      <p:grpSpPr>
+        <a:xfrm>
+          <a:off x="0" y="0"/>
+          <a:ext cx="0" cy="0"/>
+          <a:chOff x="0" y="0"/>
+          <a:chExt cx="0" cy="0"/>
+        </a:xfrm>
+      </p:grpSpPr>
+      <p:sp>
+        <p:nvSpPr>
+          <p:cNvPr id="5" name="TextBox 4">
+            <a:extLst>
+              <a:ext uri="{FF2B5EF4-FFF2-40B4-BE49-F238E27FC236}">
+                <a16:creationId xmlns:a16="http://schemas.microsoft.com/office/drawing/2014/main" id="{9BBC75D8-A716-7423-9090-381FDE5F0F88}"/>
+              </a:ext>
+            </a:extLst>
+          </p:cNvPr>
+          <p:cNvSpPr txBox="1"/>
+          <p:nvPr/>
+        </p:nvSpPr>
+        <p:spPr>
+          <a:xfrm>
+            <a:off x="259976" y="268941"/>
+            <a:ext cx="8884024" cy="6186309"/>
+          </a:xfrm>
+          <a:prstGeom prst="rect">
+            <a:avLst/>
+          </a:prstGeom>
+          <a:noFill/>
+        </p:spPr>
+        <p:txBody>
+          <a:bodyPr wrap="square">
+            <a:spAutoFit/>
+          </a:bodyPr>
+          <a:lstStyle/>
+          <a:p>
+            <a:r>
+              <a:rPr lang="en-US" dirty="0"/>
+              <a:t>Here's a simple Arduino code example to get you started with flood monitoring and early warning.</a:t>
+            </a:r>
+          </a:p>
+          <a:p>
+            <a:r>
+              <a:rPr lang="en-US" dirty="0"/>
+              <a:t>This code reads the water level from the sensor and triggers the alarm when the water level exceeds a certain threshold</a:t>
+            </a:r>
+          </a:p>
+          <a:p>
+            <a:endParaRPr lang="en-US" dirty="0"/>
+          </a:p>
+          <a:p>
+            <a:r>
+              <a:rPr lang="en-US" dirty="0"/>
+              <a:t>```</a:t>
+            </a:r>
+            <a:r>
+              <a:rPr lang="en-US" dirty="0" err="1"/>
+              <a:t>cpp</a:t>
+            </a:r>
+            <a:endParaRPr lang="en-US" dirty="0"/>
+          </a:p>
+          <a:p>
+            <a:r>
+              <a:rPr lang="en-US" dirty="0"/>
+              <a:t>#define WATER_SENSOR_PIN A0</a:t>
+            </a:r>
+          </a:p>
+          <a:p>
+            <a:r>
+              <a:rPr lang="en-US" dirty="0"/>
+              <a:t>#define BUZZER_PIN 2</a:t>
+            </a:r>
+          </a:p>
+          <a:p>
+            <a:r>
+              <a:rPr lang="en-US" dirty="0"/>
+              <a:t>#define WATER_THRESHOLD 500 // Adjust this threshold as needed</a:t>
+            </a:r>
+          </a:p>
+          <a:p>
+            <a:r>
+              <a:rPr lang="en-US" dirty="0"/>
+              <a:t>void setup() {</a:t>
+            </a:r>
+          </a:p>
+          <a:p>
+            <a:r>
+              <a:rPr lang="en-US" dirty="0"/>
+              <a:t> </a:t>
+            </a:r>
+            <a:r>
+              <a:rPr lang="en-US" dirty="0" err="1"/>
+              <a:t>pinMode</a:t>
+            </a:r>
+            <a:r>
+              <a:rPr lang="en-US" dirty="0"/>
+              <a:t>(WATER_SENSOR_PIN, INPUT);</a:t>
+            </a:r>
+          </a:p>
+          <a:p>
+            <a:r>
+              <a:rPr lang="en-US" dirty="0"/>
+              <a:t> </a:t>
+            </a:r>
+            <a:r>
+              <a:rPr lang="en-US" dirty="0" err="1"/>
+              <a:t>pinMode</a:t>
+            </a:r>
+            <a:r>
+              <a:rPr lang="en-US" dirty="0"/>
+              <a:t>(BUZZER_PIN, OUTPUT);</a:t>
+            </a:r>
+          </a:p>
+          <a:p>
+            <a:r>
+              <a:rPr lang="en-US" dirty="0"/>
+              <a:t>}</a:t>
+            </a:r>
+          </a:p>
+          <a:p>
+            <a:r>
+              <a:rPr lang="en-US" dirty="0"/>
+              <a:t>void loop() {</a:t>
+            </a:r>
+          </a:p>
+          <a:p>
+            <a:r>
+              <a:rPr lang="en-US" dirty="0"/>
+              <a:t> int </a:t>
+            </a:r>
+            <a:r>
+              <a:rPr lang="en-US" dirty="0" err="1"/>
+              <a:t>waterLevel</a:t>
+            </a:r>
+            <a:r>
+              <a:rPr lang="en-US" dirty="0"/>
+              <a:t> = </a:t>
+            </a:r>
+            <a:r>
+              <a:rPr lang="en-US" dirty="0" err="1"/>
+              <a:t>analogRead</a:t>
+            </a:r>
+            <a:r>
+              <a:rPr lang="en-US" dirty="0"/>
+              <a:t>(WATER_SENSOR_PIN);</a:t>
+            </a:r>
+          </a:p>
+          <a:p>
+            <a:r>
+              <a:rPr lang="en-US" dirty="0"/>
+              <a:t>if (</a:t>
+            </a:r>
+            <a:r>
+              <a:rPr lang="en-US" dirty="0" err="1"/>
+              <a:t>waterLevel</a:t>
+            </a:r>
+            <a:r>
+              <a:rPr lang="en-US" dirty="0"/>
+              <a:t>&gt;WATER_THRESHOLD) {</a:t>
+            </a:r>
+          </a:p>
+          <a:p>
+            <a:r>
+              <a:rPr lang="en-US" dirty="0"/>
+              <a:t>  //Water level is above the threshold, trigger the alarm</a:t>
+            </a:r>
+          </a:p>
+          <a:p>
+            <a:r>
+              <a:rPr lang="en-US" dirty="0"/>
+              <a:t>   </a:t>
+            </a:r>
+            <a:r>
+              <a:rPr lang="en-US" dirty="0" err="1"/>
+              <a:t>digitalWrite</a:t>
+            </a:r>
+            <a:r>
+              <a:rPr lang="en-US" dirty="0"/>
+              <a:t>(BUZZER_PIN,HIGH);</a:t>
+            </a:r>
+          </a:p>
+          <a:p>
+            <a:r>
+              <a:rPr lang="en-US" dirty="0"/>
+              <a:t>    delay(1000);// Alarm on for 1 second</a:t>
+            </a:r>
+          </a:p>
+          <a:p>
+            <a:r>
+              <a:rPr lang="en-US" dirty="0"/>
+              <a:t>    </a:t>
+            </a:r>
+            <a:r>
+              <a:rPr lang="en-US" dirty="0" err="1"/>
+              <a:t>digitalWrite</a:t>
+            </a:r>
+            <a:r>
+              <a:rPr lang="en-US" dirty="0"/>
+              <a:t>(BUZZER_PIN,LOW);</a:t>
+            </a:r>
+          </a:p>
+          <a:p>
+            <a:r>
+              <a:rPr lang="en-US" dirty="0"/>
+              <a:t>     DELAY(1000); // Delay to prevent constant alarms</a:t>
+            </a:r>
+          </a:p>
+          <a:p>
+            <a:r>
+              <a:rPr lang="en-US"/>
+              <a:t>   }</a:t>
+            </a:r>
+            <a:endParaRPr lang="en-IN" dirty="0"/>
+          </a:p>
+        </p:txBody>
+      </p:sp>
+      <p:sp>
+        <p:nvSpPr>
+          <p:cNvPr id="7" name="TextBox 6">
+            <a:extLst>
+              <a:ext uri="{FF2B5EF4-FFF2-40B4-BE49-F238E27FC236}">
+                <a16:creationId xmlns:a16="http://schemas.microsoft.com/office/drawing/2014/main" id="{5A738127-F911-4450-8836-CD5DA96C85F0}"/>
+              </a:ext>
+            </a:extLst>
+          </p:cNvPr>
+          <p:cNvSpPr txBox="1"/>
+          <p:nvPr/>
+        </p:nvSpPr>
+        <p:spPr>
+          <a:xfrm rot="10800000" flipV="1">
+            <a:off x="259976" y="2484932"/>
+            <a:ext cx="9009531" cy="369332"/>
+          </a:xfrm>
+          <a:prstGeom prst="rect">
+            <a:avLst/>
+          </a:prstGeom>
+          <a:noFill/>
+        </p:spPr>
+        <p:txBody>
+          <a:bodyPr wrap="square">
+            <a:spAutoFit/>
+          </a:bodyPr>
+          <a:lstStyle/>
+          <a:p>
+            <a:r>
+              <a:rPr lang="en-IN" dirty="0"/>
+              <a:t> </a:t>
+            </a:r>
+          </a:p>
+        </p:txBody>
+      </p:sp>
+    </p:spTree>
+    <p:extLst>
+      <p:ext uri="{BB962C8B-B14F-4D97-AF65-F5344CB8AC3E}">
+        <p14:creationId xmlns:p14="http://schemas.microsoft.com/office/powerpoint/2010/main" val="323376803"/>
+      </p:ext>
+    </p:extLst>
+  </p:cSld>
+  <p:clrMapOvr>
+    <a:masterClrMapping/>
+  </p:clrMapOvr>
+</p:sld>
+</file>
+
+<file path=ppt/slides/slide2.xml><?xml version="1.0" encoding="utf-8"?>
+<p:sld xmlns:a="http://schemas.openxmlformats.org/drawingml/2006/main" xmlns:r="http://schemas.openxmlformats.org/officeDocument/2006/relationships" xmlns:p="http://schemas.openxmlformats.org/presentationml/2006/main">
+  <p:cSld>
+    <p:spTree>
+      <p:nvGrpSpPr>
+        <p:cNvPr id="1" name=""/>
+        <p:cNvGrpSpPr/>
+        <p:nvPr/>
+      </p:nvGrpSpPr>
+      <p:grpSpPr>
+        <a:xfrm>
+          <a:off x="0" y="0"/>
+          <a:ext cx="0" cy="0"/>
+          <a:chOff x="0" y="0"/>
+          <a:chExt cx="0" cy="0"/>
+        </a:xfrm>
+      </p:grpSpPr>
+      <p:sp>
+        <p:nvSpPr>
+          <p:cNvPr id="2" name="TextBox 1">
+            <a:extLst>
+              <a:ext uri="{FF2B5EF4-FFF2-40B4-BE49-F238E27FC236}">
+                <a16:creationId xmlns:a16="http://schemas.microsoft.com/office/drawing/2014/main" id="{8E8C9372-9053-7F5B-130C-7862BA4552D8}"/>
+              </a:ext>
+            </a:extLst>
+          </p:cNvPr>
+          <p:cNvSpPr txBox="1"/>
+          <p:nvPr/>
+        </p:nvSpPr>
+        <p:spPr>
+          <a:xfrm flipH="1">
+            <a:off x="2017335" y="1253765"/>
+            <a:ext cx="7503735" cy="2862322"/>
+          </a:xfrm>
+          <a:prstGeom prst="rect">
+            <a:avLst/>
+          </a:prstGeom>
+          <a:noFill/>
+        </p:spPr>
+        <p:txBody>
+          <a:bodyPr wrap="square" rtlCol="0">
+            <a:spAutoFit/>
+          </a:bodyPr>
+          <a:lstStyle/>
+          <a:p>
+            <a:r>
+              <a:rPr lang="en-IN" u="sng" dirty="0"/>
+              <a:t>1.Introduction:</a:t>
+            </a:r>
+          </a:p>
+          <a:p>
+            <a:r>
+              <a:rPr lang="en-IN" dirty="0"/>
+              <a:t>Natural hazards such as </a:t>
+            </a:r>
+            <a:r>
+              <a:rPr lang="en-IN" dirty="0" err="1"/>
+              <a:t>floods,storms,tsunamis</a:t>
+            </a:r>
+            <a:r>
+              <a:rPr lang="en-IN" dirty="0"/>
+              <a:t> and others pose a significant threat to lives and property around the world. Without proper monitoring and effective mitigation measures, these natural perils often culminate in disasters that have severe implications in terms of economic loss, social disruptions and damage to the urban environment. Historical records have shown that flood is the most frequent natural </a:t>
+            </a:r>
+            <a:r>
+              <a:rPr lang="en-IN" dirty="0" err="1"/>
+              <a:t>hazard,accounting</a:t>
+            </a:r>
+            <a:r>
+              <a:rPr lang="en-IN" dirty="0"/>
+              <a:t> for 41% of all natural perils that occurred globally in the last decade. In this period alone (2009 to 2019), there were over 1566 flood occurrences affecting 0.754 billion people around the world with 51,002 deaths recorded and damage estimated at $371.8 billion.</a:t>
+            </a:r>
+          </a:p>
+        </p:txBody>
+      </p:sp>
+    </p:spTree>
+    <p:extLst>
+      <p:ext uri="{BB962C8B-B14F-4D97-AF65-F5344CB8AC3E}">
+        <p14:creationId xmlns:p14="http://schemas.microsoft.com/office/powerpoint/2010/main" val="3696672122"/>
       </p:ext>
     </p:extLst>
   </p:cSld>
